--- a/ppt 16-9/0546.在神前省察.pptx
+++ b/ppt 16-9/0546.在神前省察.pptx
@@ -5,7 +5,7 @@
     <p:sldMasterId id="2147483648" r:id="rId1"/>
   </p:sldMasterIdLst>
   <p:sldIdLst>
-    <p:sldId id="2295" r:id="rId2"/>
+    <p:sldId id="2296" r:id="rId2"/>
   </p:sldIdLst>
   <p:sldSz cx="12192000" cy="6858000"/>
   <p:notesSz cx="6858000" cy="9144000"/>
@@ -129,7 +129,7 @@
           <p:cNvPr id="2" name="标题 1">
             <a:extLst>
               <a:ext uri="{FF2B5EF4-FFF2-40B4-BE49-F238E27FC236}">
-                <a16:creationId xmlns:a16="http://schemas.microsoft.com/office/drawing/2014/main" id="{F91F7B85-24B2-84A6-494D-001CC30F6EBE}"/>
+                <a16:creationId xmlns:a16="http://schemas.microsoft.com/office/drawing/2014/main" id="{4EEC3535-5A62-B15A-FA4C-7D9E3EEE3F62}"/>
               </a:ext>
             </a:extLst>
           </p:cNvPr>
@@ -166,7 +166,7 @@
           <p:cNvPr id="3" name="副标题 2">
             <a:extLst>
               <a:ext uri="{FF2B5EF4-FFF2-40B4-BE49-F238E27FC236}">
-                <a16:creationId xmlns:a16="http://schemas.microsoft.com/office/drawing/2014/main" id="{03F2A631-995C-B459-3BE8-022932531BE0}"/>
+                <a16:creationId xmlns:a16="http://schemas.microsoft.com/office/drawing/2014/main" id="{2FD94202-8E07-F32F-35FD-86709659565D}"/>
               </a:ext>
             </a:extLst>
           </p:cNvPr>
@@ -236,7 +236,7 @@
           <p:cNvPr id="4" name="日期占位符 3">
             <a:extLst>
               <a:ext uri="{FF2B5EF4-FFF2-40B4-BE49-F238E27FC236}">
-                <a16:creationId xmlns:a16="http://schemas.microsoft.com/office/drawing/2014/main" id="{CDEC29E2-3C63-2FBB-752D-2E956E1F37E1}"/>
+                <a16:creationId xmlns:a16="http://schemas.microsoft.com/office/drawing/2014/main" id="{92807A48-7F6F-1714-C057-0F7AB76E39DE}"/>
               </a:ext>
             </a:extLst>
           </p:cNvPr>
@@ -252,7 +252,7 @@
           <a:bodyPr/>
           <a:lstStyle/>
           <a:p>
-            <a:fld id="{C3A4CC12-4DF4-4B8F-A990-B71C3B6E4A5A}" type="datetimeFigureOut">
+            <a:fld id="{760B536C-953B-4264-BF24-131CCA830E82}" type="datetimeFigureOut">
               <a:rPr lang="zh-CN" altLang="en-US" smtClean="0"/>
               <a:t>2024/3/10</a:t>
             </a:fld>
@@ -265,7 +265,7 @@
           <p:cNvPr id="5" name="页脚占位符 4">
             <a:extLst>
               <a:ext uri="{FF2B5EF4-FFF2-40B4-BE49-F238E27FC236}">
-                <a16:creationId xmlns:a16="http://schemas.microsoft.com/office/drawing/2014/main" id="{7868E559-A266-97D6-D91D-989FDFB80BAB}"/>
+                <a16:creationId xmlns:a16="http://schemas.microsoft.com/office/drawing/2014/main" id="{9A18C633-0840-E17E-35B9-616C753849BA}"/>
               </a:ext>
             </a:extLst>
           </p:cNvPr>
@@ -290,7 +290,7 @@
           <p:cNvPr id="6" name="灯片编号占位符 5">
             <a:extLst>
               <a:ext uri="{FF2B5EF4-FFF2-40B4-BE49-F238E27FC236}">
-                <a16:creationId xmlns:a16="http://schemas.microsoft.com/office/drawing/2014/main" id="{852BFB10-CFA1-398F-DE28-D123A2CAE2AD}"/>
+                <a16:creationId xmlns:a16="http://schemas.microsoft.com/office/drawing/2014/main" id="{3B32DFC8-A015-D662-D99A-59764C73DD85}"/>
               </a:ext>
             </a:extLst>
           </p:cNvPr>
@@ -306,7 +306,7 @@
           <a:bodyPr/>
           <a:lstStyle/>
           <a:p>
-            <a:fld id="{238AB1D5-D5FD-444E-B445-607F96D0E4E7}" type="slidenum">
+            <a:fld id="{5E0E99F0-6E60-401A-9385-0FB93E9C19D1}" type="slidenum">
               <a:rPr lang="zh-CN" altLang="en-US" smtClean="0"/>
               <a:t>‹#›</a:t>
             </a:fld>
@@ -317,7 +317,7 @@
     </p:spTree>
     <p:extLst>
       <p:ext uri="{BB962C8B-B14F-4D97-AF65-F5344CB8AC3E}">
-        <p14:creationId xmlns:p14="http://schemas.microsoft.com/office/powerpoint/2010/main" val="1804671489"/>
+        <p14:creationId xmlns:p14="http://schemas.microsoft.com/office/powerpoint/2010/main" val="465120158"/>
       </p:ext>
     </p:extLst>
   </p:cSld>
@@ -349,7 +349,7 @@
           <p:cNvPr id="2" name="标题 1">
             <a:extLst>
               <a:ext uri="{FF2B5EF4-FFF2-40B4-BE49-F238E27FC236}">
-                <a16:creationId xmlns:a16="http://schemas.microsoft.com/office/drawing/2014/main" id="{757AD93A-0BBC-BA56-414C-4F31B8E8910B}"/>
+                <a16:creationId xmlns:a16="http://schemas.microsoft.com/office/drawing/2014/main" id="{E349BD72-0F79-47D4-F965-66293CE30B71}"/>
               </a:ext>
             </a:extLst>
           </p:cNvPr>
@@ -377,7 +377,7 @@
           <p:cNvPr id="3" name="竖排文字占位符 2">
             <a:extLst>
               <a:ext uri="{FF2B5EF4-FFF2-40B4-BE49-F238E27FC236}">
-                <a16:creationId xmlns:a16="http://schemas.microsoft.com/office/drawing/2014/main" id="{BAF85DFA-AECC-B3CA-FB50-C0D662003A3F}"/>
+                <a16:creationId xmlns:a16="http://schemas.microsoft.com/office/drawing/2014/main" id="{68F1A129-844D-8201-AF4A-F1850D922ED4}"/>
               </a:ext>
             </a:extLst>
           </p:cNvPr>
@@ -434,7 +434,7 @@
           <p:cNvPr id="4" name="日期占位符 3">
             <a:extLst>
               <a:ext uri="{FF2B5EF4-FFF2-40B4-BE49-F238E27FC236}">
-                <a16:creationId xmlns:a16="http://schemas.microsoft.com/office/drawing/2014/main" id="{0E414A8B-6B3E-4543-AFC4-7AFFF8F393E1}"/>
+                <a16:creationId xmlns:a16="http://schemas.microsoft.com/office/drawing/2014/main" id="{4F2167C3-32BA-329A-15C0-190557BBF826}"/>
               </a:ext>
             </a:extLst>
           </p:cNvPr>
@@ -450,7 +450,7 @@
           <a:bodyPr/>
           <a:lstStyle/>
           <a:p>
-            <a:fld id="{C3A4CC12-4DF4-4B8F-A990-B71C3B6E4A5A}" type="datetimeFigureOut">
+            <a:fld id="{760B536C-953B-4264-BF24-131CCA830E82}" type="datetimeFigureOut">
               <a:rPr lang="zh-CN" altLang="en-US" smtClean="0"/>
               <a:t>2024/3/10</a:t>
             </a:fld>
@@ -463,7 +463,7 @@
           <p:cNvPr id="5" name="页脚占位符 4">
             <a:extLst>
               <a:ext uri="{FF2B5EF4-FFF2-40B4-BE49-F238E27FC236}">
-                <a16:creationId xmlns:a16="http://schemas.microsoft.com/office/drawing/2014/main" id="{E7C4D34A-A031-3442-E59F-8C6F101D5B50}"/>
+                <a16:creationId xmlns:a16="http://schemas.microsoft.com/office/drawing/2014/main" id="{523284C8-289F-B8FB-17C0-D1EF6C6462C5}"/>
               </a:ext>
             </a:extLst>
           </p:cNvPr>
@@ -488,7 +488,7 @@
           <p:cNvPr id="6" name="灯片编号占位符 5">
             <a:extLst>
               <a:ext uri="{FF2B5EF4-FFF2-40B4-BE49-F238E27FC236}">
-                <a16:creationId xmlns:a16="http://schemas.microsoft.com/office/drawing/2014/main" id="{CFDC04D5-FB73-5CEB-FEA4-DF9315479CA6}"/>
+                <a16:creationId xmlns:a16="http://schemas.microsoft.com/office/drawing/2014/main" id="{590B9CC1-1CC5-97D7-D435-5872D47D68DC}"/>
               </a:ext>
             </a:extLst>
           </p:cNvPr>
@@ -504,7 +504,7 @@
           <a:bodyPr/>
           <a:lstStyle/>
           <a:p>
-            <a:fld id="{238AB1D5-D5FD-444E-B445-607F96D0E4E7}" type="slidenum">
+            <a:fld id="{5E0E99F0-6E60-401A-9385-0FB93E9C19D1}" type="slidenum">
               <a:rPr lang="zh-CN" altLang="en-US" smtClean="0"/>
               <a:t>‹#›</a:t>
             </a:fld>
@@ -515,7 +515,7 @@
     </p:spTree>
     <p:extLst>
       <p:ext uri="{BB962C8B-B14F-4D97-AF65-F5344CB8AC3E}">
-        <p14:creationId xmlns:p14="http://schemas.microsoft.com/office/powerpoint/2010/main" val="1963365217"/>
+        <p14:creationId xmlns:p14="http://schemas.microsoft.com/office/powerpoint/2010/main" val="1599353278"/>
       </p:ext>
     </p:extLst>
   </p:cSld>
@@ -547,7 +547,7 @@
           <p:cNvPr id="2" name="竖排标题 1">
             <a:extLst>
               <a:ext uri="{FF2B5EF4-FFF2-40B4-BE49-F238E27FC236}">
-                <a16:creationId xmlns:a16="http://schemas.microsoft.com/office/drawing/2014/main" id="{2FFB8E88-C052-ECBF-04FA-8AA10A1BF265}"/>
+                <a16:creationId xmlns:a16="http://schemas.microsoft.com/office/drawing/2014/main" id="{6F754ADE-6B39-B364-8D2E-AAC9C17CC219}"/>
               </a:ext>
             </a:extLst>
           </p:cNvPr>
@@ -580,7 +580,7 @@
           <p:cNvPr id="3" name="竖排文字占位符 2">
             <a:extLst>
               <a:ext uri="{FF2B5EF4-FFF2-40B4-BE49-F238E27FC236}">
-                <a16:creationId xmlns:a16="http://schemas.microsoft.com/office/drawing/2014/main" id="{4E18527E-7FA0-D2FE-D193-19A0DD9A9B5E}"/>
+                <a16:creationId xmlns:a16="http://schemas.microsoft.com/office/drawing/2014/main" id="{6148FD86-57A8-6274-D2F6-A60827CEEAD0}"/>
               </a:ext>
             </a:extLst>
           </p:cNvPr>
@@ -642,7 +642,7 @@
           <p:cNvPr id="4" name="日期占位符 3">
             <a:extLst>
               <a:ext uri="{FF2B5EF4-FFF2-40B4-BE49-F238E27FC236}">
-                <a16:creationId xmlns:a16="http://schemas.microsoft.com/office/drawing/2014/main" id="{F7840F92-172A-0467-5821-4767E3BD7412}"/>
+                <a16:creationId xmlns:a16="http://schemas.microsoft.com/office/drawing/2014/main" id="{7721C5DF-7F1C-A653-EDF2-9C78AF74FE65}"/>
               </a:ext>
             </a:extLst>
           </p:cNvPr>
@@ -658,7 +658,7 @@
           <a:bodyPr/>
           <a:lstStyle/>
           <a:p>
-            <a:fld id="{C3A4CC12-4DF4-4B8F-A990-B71C3B6E4A5A}" type="datetimeFigureOut">
+            <a:fld id="{760B536C-953B-4264-BF24-131CCA830E82}" type="datetimeFigureOut">
               <a:rPr lang="zh-CN" altLang="en-US" smtClean="0"/>
               <a:t>2024/3/10</a:t>
             </a:fld>
@@ -671,7 +671,7 @@
           <p:cNvPr id="5" name="页脚占位符 4">
             <a:extLst>
               <a:ext uri="{FF2B5EF4-FFF2-40B4-BE49-F238E27FC236}">
-                <a16:creationId xmlns:a16="http://schemas.microsoft.com/office/drawing/2014/main" id="{FEFA00CA-4097-42D6-9D39-F88DA33B58A2}"/>
+                <a16:creationId xmlns:a16="http://schemas.microsoft.com/office/drawing/2014/main" id="{CD2C0BFE-7A68-E920-4FC8-8C2B91B1266F}"/>
               </a:ext>
             </a:extLst>
           </p:cNvPr>
@@ -696,7 +696,7 @@
           <p:cNvPr id="6" name="灯片编号占位符 5">
             <a:extLst>
               <a:ext uri="{FF2B5EF4-FFF2-40B4-BE49-F238E27FC236}">
-                <a16:creationId xmlns:a16="http://schemas.microsoft.com/office/drawing/2014/main" id="{07B80416-94F6-FB45-109A-839E9AF4ABD6}"/>
+                <a16:creationId xmlns:a16="http://schemas.microsoft.com/office/drawing/2014/main" id="{6373BFD6-F82D-1C49-06E6-41564776C13A}"/>
               </a:ext>
             </a:extLst>
           </p:cNvPr>
@@ -712,7 +712,7 @@
           <a:bodyPr/>
           <a:lstStyle/>
           <a:p>
-            <a:fld id="{238AB1D5-D5FD-444E-B445-607F96D0E4E7}" type="slidenum">
+            <a:fld id="{5E0E99F0-6E60-401A-9385-0FB93E9C19D1}" type="slidenum">
               <a:rPr lang="zh-CN" altLang="en-US" smtClean="0"/>
               <a:t>‹#›</a:t>
             </a:fld>
@@ -723,7 +723,7 @@
     </p:spTree>
     <p:extLst>
       <p:ext uri="{BB962C8B-B14F-4D97-AF65-F5344CB8AC3E}">
-        <p14:creationId xmlns:p14="http://schemas.microsoft.com/office/powerpoint/2010/main" val="189189827"/>
+        <p14:creationId xmlns:p14="http://schemas.microsoft.com/office/powerpoint/2010/main" val="2643767799"/>
       </p:ext>
     </p:extLst>
   </p:cSld>
@@ -755,7 +755,7 @@
           <p:cNvPr id="2" name="标题 1">
             <a:extLst>
               <a:ext uri="{FF2B5EF4-FFF2-40B4-BE49-F238E27FC236}">
-                <a16:creationId xmlns:a16="http://schemas.microsoft.com/office/drawing/2014/main" id="{F20F6EEC-4AC7-459C-B6EF-3A9BA7C7C8E9}"/>
+                <a16:creationId xmlns:a16="http://schemas.microsoft.com/office/drawing/2014/main" id="{35F0824E-B49B-F8DC-1DD5-AEDB3E57ACF7}"/>
               </a:ext>
             </a:extLst>
           </p:cNvPr>
@@ -783,7 +783,7 @@
           <p:cNvPr id="3" name="内容占位符 2">
             <a:extLst>
               <a:ext uri="{FF2B5EF4-FFF2-40B4-BE49-F238E27FC236}">
-                <a16:creationId xmlns:a16="http://schemas.microsoft.com/office/drawing/2014/main" id="{CCED6C29-4B38-6DB1-851F-F7A77693EF0F}"/>
+                <a16:creationId xmlns:a16="http://schemas.microsoft.com/office/drawing/2014/main" id="{85A6EA3A-FB4C-C151-BBD0-D012E46B88FD}"/>
               </a:ext>
             </a:extLst>
           </p:cNvPr>
@@ -840,7 +840,7 @@
           <p:cNvPr id="4" name="日期占位符 3">
             <a:extLst>
               <a:ext uri="{FF2B5EF4-FFF2-40B4-BE49-F238E27FC236}">
-                <a16:creationId xmlns:a16="http://schemas.microsoft.com/office/drawing/2014/main" id="{61C33ECE-E029-811B-17E4-928E8623D17E}"/>
+                <a16:creationId xmlns:a16="http://schemas.microsoft.com/office/drawing/2014/main" id="{8A8FE8C6-BE44-8A01-46B8-B74D2E148BD9}"/>
               </a:ext>
             </a:extLst>
           </p:cNvPr>
@@ -856,7 +856,7 @@
           <a:bodyPr/>
           <a:lstStyle/>
           <a:p>
-            <a:fld id="{C3A4CC12-4DF4-4B8F-A990-B71C3B6E4A5A}" type="datetimeFigureOut">
+            <a:fld id="{760B536C-953B-4264-BF24-131CCA830E82}" type="datetimeFigureOut">
               <a:rPr lang="zh-CN" altLang="en-US" smtClean="0"/>
               <a:t>2024/3/10</a:t>
             </a:fld>
@@ -869,7 +869,7 @@
           <p:cNvPr id="5" name="页脚占位符 4">
             <a:extLst>
               <a:ext uri="{FF2B5EF4-FFF2-40B4-BE49-F238E27FC236}">
-                <a16:creationId xmlns:a16="http://schemas.microsoft.com/office/drawing/2014/main" id="{DF30F82E-2583-8080-485F-A28110660699}"/>
+                <a16:creationId xmlns:a16="http://schemas.microsoft.com/office/drawing/2014/main" id="{AC444157-5BD6-72B5-26ED-302A27F5698C}"/>
               </a:ext>
             </a:extLst>
           </p:cNvPr>
@@ -894,7 +894,7 @@
           <p:cNvPr id="6" name="灯片编号占位符 5">
             <a:extLst>
               <a:ext uri="{FF2B5EF4-FFF2-40B4-BE49-F238E27FC236}">
-                <a16:creationId xmlns:a16="http://schemas.microsoft.com/office/drawing/2014/main" id="{6CE95B75-4A86-9ED7-2A2C-54214DB3D23F}"/>
+                <a16:creationId xmlns:a16="http://schemas.microsoft.com/office/drawing/2014/main" id="{0055408A-9F77-838D-8157-DF5325D596ED}"/>
               </a:ext>
             </a:extLst>
           </p:cNvPr>
@@ -910,7 +910,7 @@
           <a:bodyPr/>
           <a:lstStyle/>
           <a:p>
-            <a:fld id="{238AB1D5-D5FD-444E-B445-607F96D0E4E7}" type="slidenum">
+            <a:fld id="{5E0E99F0-6E60-401A-9385-0FB93E9C19D1}" type="slidenum">
               <a:rPr lang="zh-CN" altLang="en-US" smtClean="0"/>
               <a:t>‹#›</a:t>
             </a:fld>
@@ -921,7 +921,7 @@
     </p:spTree>
     <p:extLst>
       <p:ext uri="{BB962C8B-B14F-4D97-AF65-F5344CB8AC3E}">
-        <p14:creationId xmlns:p14="http://schemas.microsoft.com/office/powerpoint/2010/main" val="1016826195"/>
+        <p14:creationId xmlns:p14="http://schemas.microsoft.com/office/powerpoint/2010/main" val="2590892803"/>
       </p:ext>
     </p:extLst>
   </p:cSld>
@@ -953,7 +953,7 @@
           <p:cNvPr id="2" name="标题 1">
             <a:extLst>
               <a:ext uri="{FF2B5EF4-FFF2-40B4-BE49-F238E27FC236}">
-                <a16:creationId xmlns:a16="http://schemas.microsoft.com/office/drawing/2014/main" id="{2B37291E-2F16-AC8D-9A87-6E173BB1F815}"/>
+                <a16:creationId xmlns:a16="http://schemas.microsoft.com/office/drawing/2014/main" id="{0572588E-C54B-3296-BE44-913636926074}"/>
               </a:ext>
             </a:extLst>
           </p:cNvPr>
@@ -990,7 +990,7 @@
           <p:cNvPr id="3" name="文本占位符 2">
             <a:extLst>
               <a:ext uri="{FF2B5EF4-FFF2-40B4-BE49-F238E27FC236}">
-                <a16:creationId xmlns:a16="http://schemas.microsoft.com/office/drawing/2014/main" id="{8C7F4B1F-63F5-3D6C-149A-174E370897F2}"/>
+                <a16:creationId xmlns:a16="http://schemas.microsoft.com/office/drawing/2014/main" id="{9723A048-1831-B320-7884-F0BB62A99228}"/>
               </a:ext>
             </a:extLst>
           </p:cNvPr>
@@ -1115,7 +1115,7 @@
           <p:cNvPr id="4" name="日期占位符 3">
             <a:extLst>
               <a:ext uri="{FF2B5EF4-FFF2-40B4-BE49-F238E27FC236}">
-                <a16:creationId xmlns:a16="http://schemas.microsoft.com/office/drawing/2014/main" id="{B86CF321-583B-9D9A-5590-6FF8D333A04D}"/>
+                <a16:creationId xmlns:a16="http://schemas.microsoft.com/office/drawing/2014/main" id="{B3A332DC-EAA5-0593-D6E6-DF2DDAFF23D2}"/>
               </a:ext>
             </a:extLst>
           </p:cNvPr>
@@ -1131,7 +1131,7 @@
           <a:bodyPr/>
           <a:lstStyle/>
           <a:p>
-            <a:fld id="{C3A4CC12-4DF4-4B8F-A990-B71C3B6E4A5A}" type="datetimeFigureOut">
+            <a:fld id="{760B536C-953B-4264-BF24-131CCA830E82}" type="datetimeFigureOut">
               <a:rPr lang="zh-CN" altLang="en-US" smtClean="0"/>
               <a:t>2024/3/10</a:t>
             </a:fld>
@@ -1144,7 +1144,7 @@
           <p:cNvPr id="5" name="页脚占位符 4">
             <a:extLst>
               <a:ext uri="{FF2B5EF4-FFF2-40B4-BE49-F238E27FC236}">
-                <a16:creationId xmlns:a16="http://schemas.microsoft.com/office/drawing/2014/main" id="{A6158552-9D52-0476-3364-312C17D81E22}"/>
+                <a16:creationId xmlns:a16="http://schemas.microsoft.com/office/drawing/2014/main" id="{AA923D54-3185-3DDB-930B-8A0A1C335C11}"/>
               </a:ext>
             </a:extLst>
           </p:cNvPr>
@@ -1169,7 +1169,7 @@
           <p:cNvPr id="6" name="灯片编号占位符 5">
             <a:extLst>
               <a:ext uri="{FF2B5EF4-FFF2-40B4-BE49-F238E27FC236}">
-                <a16:creationId xmlns:a16="http://schemas.microsoft.com/office/drawing/2014/main" id="{F1025528-AB29-CD7A-6730-6DF2E5797D95}"/>
+                <a16:creationId xmlns:a16="http://schemas.microsoft.com/office/drawing/2014/main" id="{FFF01F11-8171-B3FC-1DBA-D574BD5B2FCD}"/>
               </a:ext>
             </a:extLst>
           </p:cNvPr>
@@ -1185,7 +1185,7 @@
           <a:bodyPr/>
           <a:lstStyle/>
           <a:p>
-            <a:fld id="{238AB1D5-D5FD-444E-B445-607F96D0E4E7}" type="slidenum">
+            <a:fld id="{5E0E99F0-6E60-401A-9385-0FB93E9C19D1}" type="slidenum">
               <a:rPr lang="zh-CN" altLang="en-US" smtClean="0"/>
               <a:t>‹#›</a:t>
             </a:fld>
@@ -1196,7 +1196,7 @@
     </p:spTree>
     <p:extLst>
       <p:ext uri="{BB962C8B-B14F-4D97-AF65-F5344CB8AC3E}">
-        <p14:creationId xmlns:p14="http://schemas.microsoft.com/office/powerpoint/2010/main" val="2512524317"/>
+        <p14:creationId xmlns:p14="http://schemas.microsoft.com/office/powerpoint/2010/main" val="2341393202"/>
       </p:ext>
     </p:extLst>
   </p:cSld>
@@ -1228,7 +1228,7 @@
           <p:cNvPr id="2" name="标题 1">
             <a:extLst>
               <a:ext uri="{FF2B5EF4-FFF2-40B4-BE49-F238E27FC236}">
-                <a16:creationId xmlns:a16="http://schemas.microsoft.com/office/drawing/2014/main" id="{BA918A52-9CA3-0965-01A9-AA4A8BA0A361}"/>
+                <a16:creationId xmlns:a16="http://schemas.microsoft.com/office/drawing/2014/main" id="{FFA1FA94-FBE3-EF7D-CB7D-A90492D83F98}"/>
               </a:ext>
             </a:extLst>
           </p:cNvPr>
@@ -1256,7 +1256,7 @@
           <p:cNvPr id="3" name="内容占位符 2">
             <a:extLst>
               <a:ext uri="{FF2B5EF4-FFF2-40B4-BE49-F238E27FC236}">
-                <a16:creationId xmlns:a16="http://schemas.microsoft.com/office/drawing/2014/main" id="{DCB401F8-4F81-4AAE-EEC8-74219374A55A}"/>
+                <a16:creationId xmlns:a16="http://schemas.microsoft.com/office/drawing/2014/main" id="{0D17CE08-7E76-E8D5-1244-71368F01AC25}"/>
               </a:ext>
             </a:extLst>
           </p:cNvPr>
@@ -1318,7 +1318,7 @@
           <p:cNvPr id="4" name="内容占位符 3">
             <a:extLst>
               <a:ext uri="{FF2B5EF4-FFF2-40B4-BE49-F238E27FC236}">
-                <a16:creationId xmlns:a16="http://schemas.microsoft.com/office/drawing/2014/main" id="{2D28BB06-E7E8-E3C8-FF1C-6D66731E1D0F}"/>
+                <a16:creationId xmlns:a16="http://schemas.microsoft.com/office/drawing/2014/main" id="{0822EE0C-70CC-E100-4D3E-6E80DF5B55CE}"/>
               </a:ext>
             </a:extLst>
           </p:cNvPr>
@@ -1380,7 +1380,7 @@
           <p:cNvPr id="5" name="日期占位符 4">
             <a:extLst>
               <a:ext uri="{FF2B5EF4-FFF2-40B4-BE49-F238E27FC236}">
-                <a16:creationId xmlns:a16="http://schemas.microsoft.com/office/drawing/2014/main" id="{7ED8EAEC-8D23-8032-A4A0-D46680563EC1}"/>
+                <a16:creationId xmlns:a16="http://schemas.microsoft.com/office/drawing/2014/main" id="{E6E949F0-33AD-D2B0-4047-5F70A870FEE2}"/>
               </a:ext>
             </a:extLst>
           </p:cNvPr>
@@ -1396,7 +1396,7 @@
           <a:bodyPr/>
           <a:lstStyle/>
           <a:p>
-            <a:fld id="{C3A4CC12-4DF4-4B8F-A990-B71C3B6E4A5A}" type="datetimeFigureOut">
+            <a:fld id="{760B536C-953B-4264-BF24-131CCA830E82}" type="datetimeFigureOut">
               <a:rPr lang="zh-CN" altLang="en-US" smtClean="0"/>
               <a:t>2024/3/10</a:t>
             </a:fld>
@@ -1409,7 +1409,7 @@
           <p:cNvPr id="6" name="页脚占位符 5">
             <a:extLst>
               <a:ext uri="{FF2B5EF4-FFF2-40B4-BE49-F238E27FC236}">
-                <a16:creationId xmlns:a16="http://schemas.microsoft.com/office/drawing/2014/main" id="{67833505-513D-16D3-C94B-56BF25880831}"/>
+                <a16:creationId xmlns:a16="http://schemas.microsoft.com/office/drawing/2014/main" id="{B63C41EC-0414-AC65-7CE1-24020D415BC7}"/>
               </a:ext>
             </a:extLst>
           </p:cNvPr>
@@ -1434,7 +1434,7 @@
           <p:cNvPr id="7" name="灯片编号占位符 6">
             <a:extLst>
               <a:ext uri="{FF2B5EF4-FFF2-40B4-BE49-F238E27FC236}">
-                <a16:creationId xmlns:a16="http://schemas.microsoft.com/office/drawing/2014/main" id="{EF4482F9-72F7-AE90-DABF-F31902668DF3}"/>
+                <a16:creationId xmlns:a16="http://schemas.microsoft.com/office/drawing/2014/main" id="{A57CE78D-E34B-361A-EFED-CC5BCD058F3E}"/>
               </a:ext>
             </a:extLst>
           </p:cNvPr>
@@ -1450,7 +1450,7 @@
           <a:bodyPr/>
           <a:lstStyle/>
           <a:p>
-            <a:fld id="{238AB1D5-D5FD-444E-B445-607F96D0E4E7}" type="slidenum">
+            <a:fld id="{5E0E99F0-6E60-401A-9385-0FB93E9C19D1}" type="slidenum">
               <a:rPr lang="zh-CN" altLang="en-US" smtClean="0"/>
               <a:t>‹#›</a:t>
             </a:fld>
@@ -1461,7 +1461,7 @@
     </p:spTree>
     <p:extLst>
       <p:ext uri="{BB962C8B-B14F-4D97-AF65-F5344CB8AC3E}">
-        <p14:creationId xmlns:p14="http://schemas.microsoft.com/office/powerpoint/2010/main" val="2143197873"/>
+        <p14:creationId xmlns:p14="http://schemas.microsoft.com/office/powerpoint/2010/main" val="810586432"/>
       </p:ext>
     </p:extLst>
   </p:cSld>
@@ -1493,7 +1493,7 @@
           <p:cNvPr id="2" name="标题 1">
             <a:extLst>
               <a:ext uri="{FF2B5EF4-FFF2-40B4-BE49-F238E27FC236}">
-                <a16:creationId xmlns:a16="http://schemas.microsoft.com/office/drawing/2014/main" id="{449C5DBB-6A0A-AEF6-AE0E-10D3F23AE3A8}"/>
+                <a16:creationId xmlns:a16="http://schemas.microsoft.com/office/drawing/2014/main" id="{5B551E09-D682-BFA9-D01D-8068DA05F620}"/>
               </a:ext>
             </a:extLst>
           </p:cNvPr>
@@ -1526,7 +1526,7 @@
           <p:cNvPr id="3" name="文本占位符 2">
             <a:extLst>
               <a:ext uri="{FF2B5EF4-FFF2-40B4-BE49-F238E27FC236}">
-                <a16:creationId xmlns:a16="http://schemas.microsoft.com/office/drawing/2014/main" id="{AF395501-50F3-A9D9-5D55-191060C769B6}"/>
+                <a16:creationId xmlns:a16="http://schemas.microsoft.com/office/drawing/2014/main" id="{D1A250DE-E92F-8F66-6A46-A54900035D66}"/>
               </a:ext>
             </a:extLst>
           </p:cNvPr>
@@ -1597,7 +1597,7 @@
           <p:cNvPr id="4" name="内容占位符 3">
             <a:extLst>
               <a:ext uri="{FF2B5EF4-FFF2-40B4-BE49-F238E27FC236}">
-                <a16:creationId xmlns:a16="http://schemas.microsoft.com/office/drawing/2014/main" id="{D0B59F91-03E8-647A-F679-7D50C3F72EA4}"/>
+                <a16:creationId xmlns:a16="http://schemas.microsoft.com/office/drawing/2014/main" id="{E55BC09A-BB4D-F680-21DB-9CA3C3E55664}"/>
               </a:ext>
             </a:extLst>
           </p:cNvPr>
@@ -1659,7 +1659,7 @@
           <p:cNvPr id="5" name="文本占位符 4">
             <a:extLst>
               <a:ext uri="{FF2B5EF4-FFF2-40B4-BE49-F238E27FC236}">
-                <a16:creationId xmlns:a16="http://schemas.microsoft.com/office/drawing/2014/main" id="{59AD028E-338D-2DB2-6115-687D29344CA2}"/>
+                <a16:creationId xmlns:a16="http://schemas.microsoft.com/office/drawing/2014/main" id="{288B0632-052D-BC7A-1F9C-852E4B2FC24A}"/>
               </a:ext>
             </a:extLst>
           </p:cNvPr>
@@ -1730,7 +1730,7 @@
           <p:cNvPr id="6" name="内容占位符 5">
             <a:extLst>
               <a:ext uri="{FF2B5EF4-FFF2-40B4-BE49-F238E27FC236}">
-                <a16:creationId xmlns:a16="http://schemas.microsoft.com/office/drawing/2014/main" id="{C261EFB0-3611-583C-A3F3-D0264638005E}"/>
+                <a16:creationId xmlns:a16="http://schemas.microsoft.com/office/drawing/2014/main" id="{78DBACC3-14DA-04B8-6489-A29F94BC4C35}"/>
               </a:ext>
             </a:extLst>
           </p:cNvPr>
@@ -1792,7 +1792,7 @@
           <p:cNvPr id="7" name="日期占位符 6">
             <a:extLst>
               <a:ext uri="{FF2B5EF4-FFF2-40B4-BE49-F238E27FC236}">
-                <a16:creationId xmlns:a16="http://schemas.microsoft.com/office/drawing/2014/main" id="{C8515E89-E732-EF73-D96B-2B74AE5EF0DD}"/>
+                <a16:creationId xmlns:a16="http://schemas.microsoft.com/office/drawing/2014/main" id="{8C9A12B6-A401-9101-23B5-3EFD49F22D9F}"/>
               </a:ext>
             </a:extLst>
           </p:cNvPr>
@@ -1808,7 +1808,7 @@
           <a:bodyPr/>
           <a:lstStyle/>
           <a:p>
-            <a:fld id="{C3A4CC12-4DF4-4B8F-A990-B71C3B6E4A5A}" type="datetimeFigureOut">
+            <a:fld id="{760B536C-953B-4264-BF24-131CCA830E82}" type="datetimeFigureOut">
               <a:rPr lang="zh-CN" altLang="en-US" smtClean="0"/>
               <a:t>2024/3/10</a:t>
             </a:fld>
@@ -1821,7 +1821,7 @@
           <p:cNvPr id="8" name="页脚占位符 7">
             <a:extLst>
               <a:ext uri="{FF2B5EF4-FFF2-40B4-BE49-F238E27FC236}">
-                <a16:creationId xmlns:a16="http://schemas.microsoft.com/office/drawing/2014/main" id="{8111F4D5-7C19-1CB5-1A48-73DEB7409E13}"/>
+                <a16:creationId xmlns:a16="http://schemas.microsoft.com/office/drawing/2014/main" id="{2F8DDEB5-DCC0-92C9-6721-36FA08C9406A}"/>
               </a:ext>
             </a:extLst>
           </p:cNvPr>
@@ -1846,7 +1846,7 @@
           <p:cNvPr id="9" name="灯片编号占位符 8">
             <a:extLst>
               <a:ext uri="{FF2B5EF4-FFF2-40B4-BE49-F238E27FC236}">
-                <a16:creationId xmlns:a16="http://schemas.microsoft.com/office/drawing/2014/main" id="{C008A446-8D0F-184D-F556-FF16F155D662}"/>
+                <a16:creationId xmlns:a16="http://schemas.microsoft.com/office/drawing/2014/main" id="{912D9A7B-2D20-00A9-2868-C38716767F7C}"/>
               </a:ext>
             </a:extLst>
           </p:cNvPr>
@@ -1862,7 +1862,7 @@
           <a:bodyPr/>
           <a:lstStyle/>
           <a:p>
-            <a:fld id="{238AB1D5-D5FD-444E-B445-607F96D0E4E7}" type="slidenum">
+            <a:fld id="{5E0E99F0-6E60-401A-9385-0FB93E9C19D1}" type="slidenum">
               <a:rPr lang="zh-CN" altLang="en-US" smtClean="0"/>
               <a:t>‹#›</a:t>
             </a:fld>
@@ -1873,7 +1873,7 @@
     </p:spTree>
     <p:extLst>
       <p:ext uri="{BB962C8B-B14F-4D97-AF65-F5344CB8AC3E}">
-        <p14:creationId xmlns:p14="http://schemas.microsoft.com/office/powerpoint/2010/main" val="1137454407"/>
+        <p14:creationId xmlns:p14="http://schemas.microsoft.com/office/powerpoint/2010/main" val="3444125374"/>
       </p:ext>
     </p:extLst>
   </p:cSld>
@@ -1905,7 +1905,7 @@
           <p:cNvPr id="2" name="标题 1">
             <a:extLst>
               <a:ext uri="{FF2B5EF4-FFF2-40B4-BE49-F238E27FC236}">
-                <a16:creationId xmlns:a16="http://schemas.microsoft.com/office/drawing/2014/main" id="{42881302-DBAD-0C4A-AEA4-4D2511738B33}"/>
+                <a16:creationId xmlns:a16="http://schemas.microsoft.com/office/drawing/2014/main" id="{D190D61C-0B36-DD70-CDF0-8F2B48583D57}"/>
               </a:ext>
             </a:extLst>
           </p:cNvPr>
@@ -1933,7 +1933,7 @@
           <p:cNvPr id="3" name="日期占位符 2">
             <a:extLst>
               <a:ext uri="{FF2B5EF4-FFF2-40B4-BE49-F238E27FC236}">
-                <a16:creationId xmlns:a16="http://schemas.microsoft.com/office/drawing/2014/main" id="{55BEC574-CAC1-94EC-B858-AFB1A628FD2E}"/>
+                <a16:creationId xmlns:a16="http://schemas.microsoft.com/office/drawing/2014/main" id="{466435B9-96A2-7E2F-E985-E70CE96C6D37}"/>
               </a:ext>
             </a:extLst>
           </p:cNvPr>
@@ -1949,7 +1949,7 @@
           <a:bodyPr/>
           <a:lstStyle/>
           <a:p>
-            <a:fld id="{C3A4CC12-4DF4-4B8F-A990-B71C3B6E4A5A}" type="datetimeFigureOut">
+            <a:fld id="{760B536C-953B-4264-BF24-131CCA830E82}" type="datetimeFigureOut">
               <a:rPr lang="zh-CN" altLang="en-US" smtClean="0"/>
               <a:t>2024/3/10</a:t>
             </a:fld>
@@ -1962,7 +1962,7 @@
           <p:cNvPr id="4" name="页脚占位符 3">
             <a:extLst>
               <a:ext uri="{FF2B5EF4-FFF2-40B4-BE49-F238E27FC236}">
-                <a16:creationId xmlns:a16="http://schemas.microsoft.com/office/drawing/2014/main" id="{37B06A21-4C43-EEF8-62F6-C641938EAB66}"/>
+                <a16:creationId xmlns:a16="http://schemas.microsoft.com/office/drawing/2014/main" id="{5663F99A-0E37-525C-5A1A-FB5751A20914}"/>
               </a:ext>
             </a:extLst>
           </p:cNvPr>
@@ -1987,7 +1987,7 @@
           <p:cNvPr id="5" name="灯片编号占位符 4">
             <a:extLst>
               <a:ext uri="{FF2B5EF4-FFF2-40B4-BE49-F238E27FC236}">
-                <a16:creationId xmlns:a16="http://schemas.microsoft.com/office/drawing/2014/main" id="{68CBB0BD-514C-9AB4-4DD0-A9E2075A8C77}"/>
+                <a16:creationId xmlns:a16="http://schemas.microsoft.com/office/drawing/2014/main" id="{DF9BF546-2548-3A85-0FEB-126FCD6FE21F}"/>
               </a:ext>
             </a:extLst>
           </p:cNvPr>
@@ -2003,7 +2003,7 @@
           <a:bodyPr/>
           <a:lstStyle/>
           <a:p>
-            <a:fld id="{238AB1D5-D5FD-444E-B445-607F96D0E4E7}" type="slidenum">
+            <a:fld id="{5E0E99F0-6E60-401A-9385-0FB93E9C19D1}" type="slidenum">
               <a:rPr lang="zh-CN" altLang="en-US" smtClean="0"/>
               <a:t>‹#›</a:t>
             </a:fld>
@@ -2014,7 +2014,7 @@
     </p:spTree>
     <p:extLst>
       <p:ext uri="{BB962C8B-B14F-4D97-AF65-F5344CB8AC3E}">
-        <p14:creationId xmlns:p14="http://schemas.microsoft.com/office/powerpoint/2010/main" val="2278569242"/>
+        <p14:creationId xmlns:p14="http://schemas.microsoft.com/office/powerpoint/2010/main" val="3760716048"/>
       </p:ext>
     </p:extLst>
   </p:cSld>
@@ -2046,7 +2046,7 @@
           <p:cNvPr id="2" name="日期占位符 1">
             <a:extLst>
               <a:ext uri="{FF2B5EF4-FFF2-40B4-BE49-F238E27FC236}">
-                <a16:creationId xmlns:a16="http://schemas.microsoft.com/office/drawing/2014/main" id="{E6BDCE96-AFEF-8CB5-445C-FC390FD3DB8B}"/>
+                <a16:creationId xmlns:a16="http://schemas.microsoft.com/office/drawing/2014/main" id="{D209D163-2819-0D26-3EE8-406015C8D3DD}"/>
               </a:ext>
             </a:extLst>
           </p:cNvPr>
@@ -2062,7 +2062,7 @@
           <a:bodyPr/>
           <a:lstStyle/>
           <a:p>
-            <a:fld id="{C3A4CC12-4DF4-4B8F-A990-B71C3B6E4A5A}" type="datetimeFigureOut">
+            <a:fld id="{760B536C-953B-4264-BF24-131CCA830E82}" type="datetimeFigureOut">
               <a:rPr lang="zh-CN" altLang="en-US" smtClean="0"/>
               <a:t>2024/3/10</a:t>
             </a:fld>
@@ -2075,7 +2075,7 @@
           <p:cNvPr id="3" name="页脚占位符 2">
             <a:extLst>
               <a:ext uri="{FF2B5EF4-FFF2-40B4-BE49-F238E27FC236}">
-                <a16:creationId xmlns:a16="http://schemas.microsoft.com/office/drawing/2014/main" id="{25DBF3AC-83E5-4C5E-DF3C-31072A670568}"/>
+                <a16:creationId xmlns:a16="http://schemas.microsoft.com/office/drawing/2014/main" id="{D6CD69EC-F3FC-6512-F92A-60C973B4456F}"/>
               </a:ext>
             </a:extLst>
           </p:cNvPr>
@@ -2100,7 +2100,7 @@
           <p:cNvPr id="4" name="灯片编号占位符 3">
             <a:extLst>
               <a:ext uri="{FF2B5EF4-FFF2-40B4-BE49-F238E27FC236}">
-                <a16:creationId xmlns:a16="http://schemas.microsoft.com/office/drawing/2014/main" id="{40CC2BAA-91A7-8D34-A3A8-F5544AB5C245}"/>
+                <a16:creationId xmlns:a16="http://schemas.microsoft.com/office/drawing/2014/main" id="{A9FA7075-7E41-9FF7-7F73-140B7FD139D2}"/>
               </a:ext>
             </a:extLst>
           </p:cNvPr>
@@ -2116,7 +2116,7 @@
           <a:bodyPr/>
           <a:lstStyle/>
           <a:p>
-            <a:fld id="{238AB1D5-D5FD-444E-B445-607F96D0E4E7}" type="slidenum">
+            <a:fld id="{5E0E99F0-6E60-401A-9385-0FB93E9C19D1}" type="slidenum">
               <a:rPr lang="zh-CN" altLang="en-US" smtClean="0"/>
               <a:t>‹#›</a:t>
             </a:fld>
@@ -2127,7 +2127,7 @@
     </p:spTree>
     <p:extLst>
       <p:ext uri="{BB962C8B-B14F-4D97-AF65-F5344CB8AC3E}">
-        <p14:creationId xmlns:p14="http://schemas.microsoft.com/office/powerpoint/2010/main" val="2492335912"/>
+        <p14:creationId xmlns:p14="http://schemas.microsoft.com/office/powerpoint/2010/main" val="1159181430"/>
       </p:ext>
     </p:extLst>
   </p:cSld>
@@ -2159,7 +2159,7 @@
           <p:cNvPr id="2" name="标题 1">
             <a:extLst>
               <a:ext uri="{FF2B5EF4-FFF2-40B4-BE49-F238E27FC236}">
-                <a16:creationId xmlns:a16="http://schemas.microsoft.com/office/drawing/2014/main" id="{C2A93D4E-3C5B-D3AB-EF99-569B5F98DADC}"/>
+                <a16:creationId xmlns:a16="http://schemas.microsoft.com/office/drawing/2014/main" id="{21AB263B-A91A-8953-3959-0848139A6457}"/>
               </a:ext>
             </a:extLst>
           </p:cNvPr>
@@ -2196,7 +2196,7 @@
           <p:cNvPr id="3" name="内容占位符 2">
             <a:extLst>
               <a:ext uri="{FF2B5EF4-FFF2-40B4-BE49-F238E27FC236}">
-                <a16:creationId xmlns:a16="http://schemas.microsoft.com/office/drawing/2014/main" id="{04BA3F3D-8869-4D01-302A-080D01948016}"/>
+                <a16:creationId xmlns:a16="http://schemas.microsoft.com/office/drawing/2014/main" id="{7398388A-B2BF-2DFD-8435-7E3DCC253F3C}"/>
               </a:ext>
             </a:extLst>
           </p:cNvPr>
@@ -2286,7 +2286,7 @@
           <p:cNvPr id="4" name="文本占位符 3">
             <a:extLst>
               <a:ext uri="{FF2B5EF4-FFF2-40B4-BE49-F238E27FC236}">
-                <a16:creationId xmlns:a16="http://schemas.microsoft.com/office/drawing/2014/main" id="{CB2D9F4F-458D-0135-E791-00D69A8960C0}"/>
+                <a16:creationId xmlns:a16="http://schemas.microsoft.com/office/drawing/2014/main" id="{6C27A6C7-0757-54DB-4A20-6DC350993459}"/>
               </a:ext>
             </a:extLst>
           </p:cNvPr>
@@ -2357,7 +2357,7 @@
           <p:cNvPr id="5" name="日期占位符 4">
             <a:extLst>
               <a:ext uri="{FF2B5EF4-FFF2-40B4-BE49-F238E27FC236}">
-                <a16:creationId xmlns:a16="http://schemas.microsoft.com/office/drawing/2014/main" id="{0E4E1806-65E6-5F4E-16A0-2CB331E2256B}"/>
+                <a16:creationId xmlns:a16="http://schemas.microsoft.com/office/drawing/2014/main" id="{8CCDE00B-AD6A-3027-8C15-8EAA9915DA6A}"/>
               </a:ext>
             </a:extLst>
           </p:cNvPr>
@@ -2373,7 +2373,7 @@
           <a:bodyPr/>
           <a:lstStyle/>
           <a:p>
-            <a:fld id="{C3A4CC12-4DF4-4B8F-A990-B71C3B6E4A5A}" type="datetimeFigureOut">
+            <a:fld id="{760B536C-953B-4264-BF24-131CCA830E82}" type="datetimeFigureOut">
               <a:rPr lang="zh-CN" altLang="en-US" smtClean="0"/>
               <a:t>2024/3/10</a:t>
             </a:fld>
@@ -2386,7 +2386,7 @@
           <p:cNvPr id="6" name="页脚占位符 5">
             <a:extLst>
               <a:ext uri="{FF2B5EF4-FFF2-40B4-BE49-F238E27FC236}">
-                <a16:creationId xmlns:a16="http://schemas.microsoft.com/office/drawing/2014/main" id="{FAF1B585-0CD9-E950-1E27-CADD92265A92}"/>
+                <a16:creationId xmlns:a16="http://schemas.microsoft.com/office/drawing/2014/main" id="{66B4D47B-F57D-FB4C-C5A8-D93D9DFFE320}"/>
               </a:ext>
             </a:extLst>
           </p:cNvPr>
@@ -2411,7 +2411,7 @@
           <p:cNvPr id="7" name="灯片编号占位符 6">
             <a:extLst>
               <a:ext uri="{FF2B5EF4-FFF2-40B4-BE49-F238E27FC236}">
-                <a16:creationId xmlns:a16="http://schemas.microsoft.com/office/drawing/2014/main" id="{346B31FF-6121-5A9F-D791-58071D9186C0}"/>
+                <a16:creationId xmlns:a16="http://schemas.microsoft.com/office/drawing/2014/main" id="{8A515DE0-1B78-9656-5453-968BABB10D3B}"/>
               </a:ext>
             </a:extLst>
           </p:cNvPr>
@@ -2427,7 +2427,7 @@
           <a:bodyPr/>
           <a:lstStyle/>
           <a:p>
-            <a:fld id="{238AB1D5-D5FD-444E-B445-607F96D0E4E7}" type="slidenum">
+            <a:fld id="{5E0E99F0-6E60-401A-9385-0FB93E9C19D1}" type="slidenum">
               <a:rPr lang="zh-CN" altLang="en-US" smtClean="0"/>
               <a:t>‹#›</a:t>
             </a:fld>
@@ -2438,7 +2438,7 @@
     </p:spTree>
     <p:extLst>
       <p:ext uri="{BB962C8B-B14F-4D97-AF65-F5344CB8AC3E}">
-        <p14:creationId xmlns:p14="http://schemas.microsoft.com/office/powerpoint/2010/main" val="1298237089"/>
+        <p14:creationId xmlns:p14="http://schemas.microsoft.com/office/powerpoint/2010/main" val="628428714"/>
       </p:ext>
     </p:extLst>
   </p:cSld>
@@ -2470,7 +2470,7 @@
           <p:cNvPr id="2" name="标题 1">
             <a:extLst>
               <a:ext uri="{FF2B5EF4-FFF2-40B4-BE49-F238E27FC236}">
-                <a16:creationId xmlns:a16="http://schemas.microsoft.com/office/drawing/2014/main" id="{754561AF-A74C-2D82-B2DA-3F41E62E474D}"/>
+                <a16:creationId xmlns:a16="http://schemas.microsoft.com/office/drawing/2014/main" id="{725A982C-8FAC-FC7B-86EE-9B98D08B8A52}"/>
               </a:ext>
             </a:extLst>
           </p:cNvPr>
@@ -2507,7 +2507,7 @@
           <p:cNvPr id="3" name="图片占位符 2">
             <a:extLst>
               <a:ext uri="{FF2B5EF4-FFF2-40B4-BE49-F238E27FC236}">
-                <a16:creationId xmlns:a16="http://schemas.microsoft.com/office/drawing/2014/main" id="{B9F7F51F-94BB-CACD-BC00-0321770CDFD3}"/>
+                <a16:creationId xmlns:a16="http://schemas.microsoft.com/office/drawing/2014/main" id="{B4F64C26-1A4C-B538-14B8-18FFF7DBA81E}"/>
               </a:ext>
             </a:extLst>
           </p:cNvPr>
@@ -2574,7 +2574,7 @@
           <p:cNvPr id="4" name="文本占位符 3">
             <a:extLst>
               <a:ext uri="{FF2B5EF4-FFF2-40B4-BE49-F238E27FC236}">
-                <a16:creationId xmlns:a16="http://schemas.microsoft.com/office/drawing/2014/main" id="{67F900D1-E89D-27E6-6980-7749054F993D}"/>
+                <a16:creationId xmlns:a16="http://schemas.microsoft.com/office/drawing/2014/main" id="{25D44619-0D53-C149-CCE1-854FED338D9B}"/>
               </a:ext>
             </a:extLst>
           </p:cNvPr>
@@ -2645,7 +2645,7 @@
           <p:cNvPr id="5" name="日期占位符 4">
             <a:extLst>
               <a:ext uri="{FF2B5EF4-FFF2-40B4-BE49-F238E27FC236}">
-                <a16:creationId xmlns:a16="http://schemas.microsoft.com/office/drawing/2014/main" id="{511C7F48-8F25-24B6-CC91-C61B2646B24A}"/>
+                <a16:creationId xmlns:a16="http://schemas.microsoft.com/office/drawing/2014/main" id="{E768A5A2-8531-F6C4-8298-DFBA71384E22}"/>
               </a:ext>
             </a:extLst>
           </p:cNvPr>
@@ -2661,7 +2661,7 @@
           <a:bodyPr/>
           <a:lstStyle/>
           <a:p>
-            <a:fld id="{C3A4CC12-4DF4-4B8F-A990-B71C3B6E4A5A}" type="datetimeFigureOut">
+            <a:fld id="{760B536C-953B-4264-BF24-131CCA830E82}" type="datetimeFigureOut">
               <a:rPr lang="zh-CN" altLang="en-US" smtClean="0"/>
               <a:t>2024/3/10</a:t>
             </a:fld>
@@ -2674,7 +2674,7 @@
           <p:cNvPr id="6" name="页脚占位符 5">
             <a:extLst>
               <a:ext uri="{FF2B5EF4-FFF2-40B4-BE49-F238E27FC236}">
-                <a16:creationId xmlns:a16="http://schemas.microsoft.com/office/drawing/2014/main" id="{6E86778A-3357-7BF6-3B45-D386AF5DB24C}"/>
+                <a16:creationId xmlns:a16="http://schemas.microsoft.com/office/drawing/2014/main" id="{6B5B32DA-9007-0B0E-2352-1EE0FB2CCFCE}"/>
               </a:ext>
             </a:extLst>
           </p:cNvPr>
@@ -2699,7 +2699,7 @@
           <p:cNvPr id="7" name="灯片编号占位符 6">
             <a:extLst>
               <a:ext uri="{FF2B5EF4-FFF2-40B4-BE49-F238E27FC236}">
-                <a16:creationId xmlns:a16="http://schemas.microsoft.com/office/drawing/2014/main" id="{36D40C10-433F-BD66-E69C-BD43BB834597}"/>
+                <a16:creationId xmlns:a16="http://schemas.microsoft.com/office/drawing/2014/main" id="{2BC65ED8-D0A9-EB6C-A0B6-AC6F0ED3CFE6}"/>
               </a:ext>
             </a:extLst>
           </p:cNvPr>
@@ -2715,7 +2715,7 @@
           <a:bodyPr/>
           <a:lstStyle/>
           <a:p>
-            <a:fld id="{238AB1D5-D5FD-444E-B445-607F96D0E4E7}" type="slidenum">
+            <a:fld id="{5E0E99F0-6E60-401A-9385-0FB93E9C19D1}" type="slidenum">
               <a:rPr lang="zh-CN" altLang="en-US" smtClean="0"/>
               <a:t>‹#›</a:t>
             </a:fld>
@@ -2726,7 +2726,7 @@
     </p:spTree>
     <p:extLst>
       <p:ext uri="{BB962C8B-B14F-4D97-AF65-F5344CB8AC3E}">
-        <p14:creationId xmlns:p14="http://schemas.microsoft.com/office/powerpoint/2010/main" val="2817101975"/>
+        <p14:creationId xmlns:p14="http://schemas.microsoft.com/office/powerpoint/2010/main" val="2786142648"/>
       </p:ext>
     </p:extLst>
   </p:cSld>
@@ -2763,7 +2763,7 @@
           <p:cNvPr id="2" name="标题占位符 1">
             <a:extLst>
               <a:ext uri="{FF2B5EF4-FFF2-40B4-BE49-F238E27FC236}">
-                <a16:creationId xmlns:a16="http://schemas.microsoft.com/office/drawing/2014/main" id="{B20869C6-C26B-1696-5617-BAACEBF9A006}"/>
+                <a16:creationId xmlns:a16="http://schemas.microsoft.com/office/drawing/2014/main" id="{0CFE8428-3E12-9BAB-9A52-A18EB12EF7EA}"/>
               </a:ext>
             </a:extLst>
           </p:cNvPr>
@@ -2801,7 +2801,7 @@
           <p:cNvPr id="3" name="文本占位符 2">
             <a:extLst>
               <a:ext uri="{FF2B5EF4-FFF2-40B4-BE49-F238E27FC236}">
-                <a16:creationId xmlns:a16="http://schemas.microsoft.com/office/drawing/2014/main" id="{5D1174A5-4075-25D9-DF66-BC2694AD935E}"/>
+                <a16:creationId xmlns:a16="http://schemas.microsoft.com/office/drawing/2014/main" id="{54C5CA32-A6ED-6BA8-C80E-61E908FC843E}"/>
               </a:ext>
             </a:extLst>
           </p:cNvPr>
@@ -2868,7 +2868,7 @@
           <p:cNvPr id="4" name="日期占位符 3">
             <a:extLst>
               <a:ext uri="{FF2B5EF4-FFF2-40B4-BE49-F238E27FC236}">
-                <a16:creationId xmlns:a16="http://schemas.microsoft.com/office/drawing/2014/main" id="{0EB44C93-498B-570C-FCCE-901F1878A197}"/>
+                <a16:creationId xmlns:a16="http://schemas.microsoft.com/office/drawing/2014/main" id="{14BAB84B-56C5-38BF-7860-E7EA045231C4}"/>
               </a:ext>
             </a:extLst>
           </p:cNvPr>
@@ -2902,7 +2902,7 @@
             </a:lvl1pPr>
           </a:lstStyle>
           <a:p>
-            <a:fld id="{C3A4CC12-4DF4-4B8F-A990-B71C3B6E4A5A}" type="datetimeFigureOut">
+            <a:fld id="{760B536C-953B-4264-BF24-131CCA830E82}" type="datetimeFigureOut">
               <a:rPr lang="zh-CN" altLang="en-US" smtClean="0"/>
               <a:t>2024/3/10</a:t>
             </a:fld>
@@ -2915,7 +2915,7 @@
           <p:cNvPr id="5" name="页脚占位符 4">
             <a:extLst>
               <a:ext uri="{FF2B5EF4-FFF2-40B4-BE49-F238E27FC236}">
-                <a16:creationId xmlns:a16="http://schemas.microsoft.com/office/drawing/2014/main" id="{B2BED80D-8CBF-344D-D090-4C27227C49B7}"/>
+                <a16:creationId xmlns:a16="http://schemas.microsoft.com/office/drawing/2014/main" id="{0B01115C-AE36-586A-1135-8EFDBBF3C6CF}"/>
               </a:ext>
             </a:extLst>
           </p:cNvPr>
@@ -2958,7 +2958,7 @@
           <p:cNvPr id="6" name="灯片编号占位符 5">
             <a:extLst>
               <a:ext uri="{FF2B5EF4-FFF2-40B4-BE49-F238E27FC236}">
-                <a16:creationId xmlns:a16="http://schemas.microsoft.com/office/drawing/2014/main" id="{D17496C2-F935-A5B4-0059-5F510CCF0E5E}"/>
+                <a16:creationId xmlns:a16="http://schemas.microsoft.com/office/drawing/2014/main" id="{E7E21680-E169-F624-CEC6-848F3C683530}"/>
               </a:ext>
             </a:extLst>
           </p:cNvPr>
@@ -2992,7 +2992,7 @@
             </a:lvl1pPr>
           </a:lstStyle>
           <a:p>
-            <a:fld id="{238AB1D5-D5FD-444E-B445-607F96D0E4E7}" type="slidenum">
+            <a:fld id="{5E0E99F0-6E60-401A-9385-0FB93E9C19D1}" type="slidenum">
               <a:rPr lang="zh-CN" altLang="en-US" smtClean="0"/>
               <a:t>‹#›</a:t>
             </a:fld>
@@ -3003,7 +3003,7 @@
     </p:spTree>
     <p:extLst>
       <p:ext uri="{BB962C8B-B14F-4D97-AF65-F5344CB8AC3E}">
-        <p14:creationId xmlns:p14="http://schemas.microsoft.com/office/powerpoint/2010/main" val="3710976900"/>
+        <p14:creationId xmlns:p14="http://schemas.microsoft.com/office/powerpoint/2010/main" val="1192879323"/>
       </p:ext>
     </p:extLst>
   </p:cSld>
@@ -3323,7 +3323,7 @@
       </p:grpSpPr>
       <p:pic>
         <p:nvPicPr>
-          <p:cNvPr id="559106" name="Picture 2" descr="545"/>
+          <p:cNvPr id="560130" name="Picture 2" descr="546"/>
           <p:cNvPicPr>
             <a:picLocks noChangeAspect="1" noChangeArrowheads="1"/>
           </p:cNvPicPr>
